--- a/60靠主得勝.pptx
+++ b/60靠主得勝.pptx
@@ -310,7 +310,7 @@
             <a:fld id="{86B5546F-C09B-4E63-ABC5-F7C86A7E8D66}" type="datetimeFigureOut">
               <a:rPr lang="en-US" smtClean="0"/>
               <a:pPr/>
-              <a:t>7/3/2021</a:t>
+              <a:t>10/7/2022</a:t>
             </a:fld>
             <a:endParaRPr lang="en-US"/>
           </a:p>
@@ -482,7 +482,7 @@
             <a:fld id="{86B5546F-C09B-4E63-ABC5-F7C86A7E8D66}" type="datetimeFigureOut">
               <a:rPr lang="en-US" smtClean="0"/>
               <a:pPr/>
-              <a:t>7/3/2021</a:t>
+              <a:t>10/7/2022</a:t>
             </a:fld>
             <a:endParaRPr lang="en-US"/>
           </a:p>
@@ -664,7 +664,7 @@
             <a:fld id="{86B5546F-C09B-4E63-ABC5-F7C86A7E8D66}" type="datetimeFigureOut">
               <a:rPr lang="en-US" smtClean="0"/>
               <a:pPr/>
-              <a:t>7/3/2021</a:t>
+              <a:t>10/7/2022</a:t>
             </a:fld>
             <a:endParaRPr lang="en-US"/>
           </a:p>
@@ -836,7 +836,7 @@
             <a:fld id="{86B5546F-C09B-4E63-ABC5-F7C86A7E8D66}" type="datetimeFigureOut">
               <a:rPr lang="en-US" smtClean="0"/>
               <a:pPr/>
-              <a:t>7/3/2021</a:t>
+              <a:t>10/7/2022</a:t>
             </a:fld>
             <a:endParaRPr lang="en-US"/>
           </a:p>
@@ -1084,7 +1084,7 @@
             <a:fld id="{86B5546F-C09B-4E63-ABC5-F7C86A7E8D66}" type="datetimeFigureOut">
               <a:rPr lang="en-US" smtClean="0"/>
               <a:pPr/>
-              <a:t>7/3/2021</a:t>
+              <a:t>10/7/2022</a:t>
             </a:fld>
             <a:endParaRPr lang="en-US"/>
           </a:p>
@@ -1374,7 +1374,7 @@
             <a:fld id="{86B5546F-C09B-4E63-ABC5-F7C86A7E8D66}" type="datetimeFigureOut">
               <a:rPr lang="en-US" smtClean="0"/>
               <a:pPr/>
-              <a:t>7/3/2021</a:t>
+              <a:t>10/7/2022</a:t>
             </a:fld>
             <a:endParaRPr lang="en-US"/>
           </a:p>
@@ -1798,7 +1798,7 @@
             <a:fld id="{86B5546F-C09B-4E63-ABC5-F7C86A7E8D66}" type="datetimeFigureOut">
               <a:rPr lang="en-US" smtClean="0"/>
               <a:pPr/>
-              <a:t>7/3/2021</a:t>
+              <a:t>10/7/2022</a:t>
             </a:fld>
             <a:endParaRPr lang="en-US"/>
           </a:p>
@@ -1918,7 +1918,7 @@
             <a:fld id="{86B5546F-C09B-4E63-ABC5-F7C86A7E8D66}" type="datetimeFigureOut">
               <a:rPr lang="en-US" smtClean="0"/>
               <a:pPr/>
-              <a:t>7/3/2021</a:t>
+              <a:t>10/7/2022</a:t>
             </a:fld>
             <a:endParaRPr lang="en-US"/>
           </a:p>
@@ -2015,7 +2015,7 @@
             <a:fld id="{86B5546F-C09B-4E63-ABC5-F7C86A7E8D66}" type="datetimeFigureOut">
               <a:rPr lang="en-US" smtClean="0"/>
               <a:pPr/>
-              <a:t>7/3/2021</a:t>
+              <a:t>10/7/2022</a:t>
             </a:fld>
             <a:endParaRPr lang="en-US"/>
           </a:p>
@@ -2294,7 +2294,7 @@
             <a:fld id="{86B5546F-C09B-4E63-ABC5-F7C86A7E8D66}" type="datetimeFigureOut">
               <a:rPr lang="en-US" smtClean="0"/>
               <a:pPr/>
-              <a:t>7/3/2021</a:t>
+              <a:t>10/7/2022</a:t>
             </a:fld>
             <a:endParaRPr lang="en-US"/>
           </a:p>
@@ -2553,7 +2553,7 @@
             <a:fld id="{86B5546F-C09B-4E63-ABC5-F7C86A7E8D66}" type="datetimeFigureOut">
               <a:rPr lang="en-US" smtClean="0"/>
               <a:pPr/>
-              <a:t>7/3/2021</a:t>
+              <a:t>10/7/2022</a:t>
             </a:fld>
             <a:endParaRPr lang="en-US"/>
           </a:p>
@@ -2773,7 +2773,7 @@
             <a:fld id="{86B5546F-C09B-4E63-ABC5-F7C86A7E8D66}" type="datetimeFigureOut">
               <a:rPr lang="en-US" smtClean="0"/>
               <a:pPr/>
-              <a:t>7/3/2021</a:t>
+              <a:t>10/7/2022</a:t>
             </a:fld>
             <a:endParaRPr lang="en-US"/>
           </a:p>
@@ -3270,7 +3270,26 @@
                 <a:latin typeface="微軟正黑體" pitchFamily="34" charset="-120"/>
                 <a:ea typeface="微軟正黑體" pitchFamily="34" charset="-120"/>
               </a:rPr>
-              <a:t>；羅  </a:t>
+              <a:t>；</a:t>
+            </a:r>
+            <a:endParaRPr lang="en-US" altLang="zh-CN" b="1" smtClean="0">
+              <a:solidFill>
+                <a:srgbClr val="000066"/>
+              </a:solidFill>
+              <a:latin typeface="微軟正黑體" pitchFamily="34" charset="-120"/>
+              <a:ea typeface="微軟正黑體" pitchFamily="34" charset="-120"/>
+            </a:endParaRPr>
+          </a:p>
+          <a:p>
+            <a:r>
+              <a:rPr lang="zh-CN" altLang="en-US" b="1" smtClean="0">
+                <a:solidFill>
+                  <a:srgbClr val="000066"/>
+                </a:solidFill>
+                <a:latin typeface="微軟正黑體" pitchFamily="34" charset="-120"/>
+                <a:ea typeface="微軟正黑體" pitchFamily="34" charset="-120"/>
+              </a:rPr>
+              <a:t>羅  </a:t>
             </a:r>
             <a:r>
               <a:rPr lang="en-US" altLang="zh-CN" b="1" dirty="0" smtClean="0">
@@ -3843,17 +3862,7 @@
                 <a:latin typeface="微軟正黑體" pitchFamily="34" charset="-120"/>
                 <a:ea typeface="微軟正黑體" pitchFamily="34" charset="-120"/>
               </a:rPr>
-              <a:t>然而，靠著愛我們的主，在這一切的事上已經得勝有餘了</a:t>
-            </a:r>
-            <a:r>
-              <a:rPr lang="zh-TW" altLang="en-US" sz="6400" b="1" dirty="0">
-                <a:solidFill>
-                  <a:srgbClr val="660033"/>
-                </a:solidFill>
-                <a:latin typeface="微軟正黑體" pitchFamily="34" charset="-120"/>
-                <a:ea typeface="微軟正黑體" pitchFamily="34" charset="-120"/>
-              </a:rPr>
-              <a:t>。</a:t>
+              <a:t>然而，靠著愛我們的主，在這一切的事上已經得勝有餘了。</a:t>
             </a:r>
             <a:endParaRPr lang="en-US" altLang="zh-TW" sz="6400" b="1" dirty="0">
               <a:solidFill>
@@ -3872,25 +3881,8 @@
                 <a:latin typeface="微軟正黑體" pitchFamily="34" charset="-120"/>
                 <a:ea typeface="微軟正黑體" pitchFamily="34" charset="-120"/>
               </a:rPr>
-              <a:t>死啊！你得勝的權勢在那裡？死啊！你的毒鉤在那裡</a:t>
-            </a:r>
-            <a:r>
-              <a:rPr lang="zh-TW" altLang="en-US" sz="6400" dirty="0">
-                <a:solidFill>
-                  <a:srgbClr val="660033"/>
-                </a:solidFill>
-                <a:latin typeface="微軟正黑體" pitchFamily="34" charset="-120"/>
-                <a:ea typeface="微軟正黑體" pitchFamily="34" charset="-120"/>
-              </a:rPr>
-              <a:t>？</a:t>
-            </a:r>
-            <a:endParaRPr lang="zh-TW" altLang="en-US" sz="6400" dirty="0">
-              <a:solidFill>
-                <a:srgbClr val="660033"/>
-              </a:solidFill>
-              <a:latin typeface="微軟正黑體" pitchFamily="34" charset="-120"/>
-              <a:ea typeface="微軟正黑體" pitchFamily="34" charset="-120"/>
-            </a:endParaRPr>
+              <a:t>死啊！你得勝的權勢在那裡？死啊！你的毒鉤在那裡？</a:t>
+            </a:r>
           </a:p>
         </p:txBody>
       </p:sp>
